--- a/docs/PureFlow.pptx
+++ b/docs/PureFlow.pptx
@@ -3061,7 +3061,7 @@
           <a:p>
             <a:r>
               <a:rPr lang="x-none" altLang="en-US"/>
-              <a:t>Its hard &amp; take a time to provisioning devices to connect into SDN network.</a:t>
+              <a:t>Its hard &amp; take a time to provisioning devices to connect into SDN network (1 by 1).</a:t>
             </a:r>
             <a:endParaRPr lang="x-none" altLang="en-US"/>
           </a:p>
@@ -3133,7 +3133,9 @@
         </p:nvSpPr>
         <p:spPr/>
         <p:txBody>
-          <a:bodyPr/>
+          <a:bodyPr>
+            <a:normAutofit lnSpcReduction="10000"/>
+          </a:bodyPr>
           <a:p>
             <a:pPr marL="0" indent="0">
               <a:buNone/>
@@ -3148,7 +3150,7 @@
             <a:pPr marL="457200" indent="-457200"/>
             <a:r>
               <a:rPr lang="x-none" altLang="en-US"/>
-              <a:t>Provisioning (MikroTik &amp; OpenVSwitch)</a:t>
+              <a:t>Provisioning (MikroTik &amp; OpenVSwitch),</a:t>
             </a:r>
             <a:endParaRPr lang="x-none" altLang="en-US"/>
           </a:p>
@@ -3156,7 +3158,45 @@
             <a:pPr marL="457200" indent="-457200"/>
             <a:r>
               <a:rPr lang="x-none" altLang="en-US"/>
-              <a:t>Modify Flow (OF 1.0)</a:t>
+              <a:t>Modify Flow (OF 1.0).</a:t>
+            </a:r>
+            <a:endParaRPr lang="x-none" altLang="en-US"/>
+          </a:p>
+          <a:p>
+            <a:pPr marL="457200" indent="-457200"/>
+            <a:endParaRPr lang="x-none" altLang="en-US"/>
+          </a:p>
+          <a:p>
+            <a:pPr marL="0" indent="0">
+              <a:buNone/>
+            </a:pPr>
+            <a:r>
+              <a:rPr lang="x-none" altLang="en-US"/>
+              <a:t>next feature :</a:t>
+            </a:r>
+            <a:endParaRPr lang="x-none" altLang="en-US"/>
+          </a:p>
+          <a:p>
+            <a:pPr marL="457200" indent="-457200"/>
+            <a:r>
+              <a:rPr lang="x-none" altLang="en-US"/>
+              <a:t>More devices supported,</a:t>
+            </a:r>
+            <a:endParaRPr lang="x-none" altLang="en-US"/>
+          </a:p>
+          <a:p>
+            <a:pPr marL="457200" indent="-457200"/>
+            <a:r>
+              <a:rPr lang="x-none" altLang="en-US"/>
+              <a:t>OF 1.3 Supported,</a:t>
+            </a:r>
+            <a:endParaRPr lang="x-none" altLang="en-US"/>
+          </a:p>
+          <a:p>
+            <a:pPr marL="457200" indent="-457200"/>
+            <a:r>
+              <a:rPr lang="x-none" altLang="en-US"/>
+              <a:t>Improvement in Dashboard &amp; Database system.</a:t>
             </a:r>
             <a:endParaRPr lang="x-none" altLang="en-US"/>
           </a:p>
@@ -3300,21 +3340,21 @@
           <a:p>
             <a:r>
               <a:rPr lang="x-none" altLang="en-US" b="1"/>
-              <a:t>Ansible</a:t>
+              <a:t>Ansible,</a:t>
             </a:r>
             <a:endParaRPr lang="x-none" altLang="en-US" b="1"/>
           </a:p>
           <a:p>
             <a:r>
               <a:rPr lang="x-none" altLang="en-US" b="1"/>
-              <a:t>ONOS (Open Network Operating System)</a:t>
+              <a:t>ONOS (Open Network Operating System),</a:t>
             </a:r>
             <a:endParaRPr lang="x-none" altLang="en-US" b="1"/>
           </a:p>
           <a:p>
             <a:r>
               <a:rPr lang="x-none" altLang="en-US" b="1"/>
-              <a:t>Python (Flask)</a:t>
+              <a:t>Python (Flask).</a:t>
             </a:r>
             <a:endParaRPr lang="x-none" altLang="en-US" b="1"/>
           </a:p>

--- a/docs/PureFlow.pptx
+++ b/docs/PureFlow.pptx
@@ -3134,7 +3134,7 @@
         <p:spPr/>
         <p:txBody>
           <a:bodyPr>
-            <a:normAutofit lnSpcReduction="10000"/>
+            <a:normAutofit fontScale="90000" lnSpcReduction="20000"/>
           </a:bodyPr>
           <a:p>
             <a:pPr marL="0" indent="0">
@@ -3188,7 +3188,15 @@
             <a:pPr marL="457200" indent="-457200"/>
             <a:r>
               <a:rPr lang="x-none" altLang="en-US"/>
-              <a:t>OF 1.3 Supported,</a:t>
+              <a:t>Modify Flow OF 1.3 Supported,</a:t>
+            </a:r>
+            <a:endParaRPr lang="x-none" altLang="en-US"/>
+          </a:p>
+          <a:p>
+            <a:pPr marL="457200" indent="-457200"/>
+            <a:r>
+              <a:rPr lang="x-none" altLang="en-US"/>
+              <a:t>Bulk Provisioning,</a:t>
             </a:r>
             <a:endParaRPr lang="x-none" altLang="en-US"/>
           </a:p>
